--- a/pages/figs/stageR.pptx
+++ b/pages/figs/stageR.pptx
@@ -7,7 +7,7 @@
   <p:sldIdLst>
     <p:sldId id="258" r:id="rId2"/>
   </p:sldIdLst>
-  <p:sldSz cx="10799763" cy="4679950"/>
+  <p:sldSz cx="10799763" cy="5400675"/>
   <p:notesSz cx="6858000" cy="9144000"/>
   <p:defaultTextStyle>
     <a:defPPr>
@@ -107,7 +107,7 @@
   <p:extLst>
     <p:ext uri="{EFAFB233-063F-42B5-8137-9DF3F51BA10A}">
       <p15:sldGuideLst xmlns:p15="http://schemas.microsoft.com/office/powerpoint/2012/main">
-        <p15:guide id="1" orient="horz" pos="1474" userDrawn="1">
+        <p15:guide id="1" orient="horz" pos="1701" userDrawn="1">
           <p15:clr>
             <a:srgbClr val="A4A3A4"/>
           </p15:clr>
@@ -152,8 +152,8 @@
         </p:nvSpPr>
         <p:spPr>
           <a:xfrm>
-            <a:off x="809983" y="1453820"/>
-            <a:ext cx="9179799" cy="1003156"/>
+            <a:off x="809984" y="1677712"/>
+            <a:ext cx="9179799" cy="1157645"/>
           </a:xfrm>
         </p:spPr>
         <p:txBody>
@@ -179,8 +179,8 @@
         </p:nvSpPr>
         <p:spPr>
           <a:xfrm>
-            <a:off x="1619965" y="2651973"/>
-            <a:ext cx="7559834" cy="1195987"/>
+            <a:off x="1619965" y="3060385"/>
+            <a:ext cx="7559834" cy="1380172"/>
           </a:xfrm>
         </p:spPr>
         <p:txBody>
@@ -562,8 +562,8 @@
         </p:nvSpPr>
         <p:spPr>
           <a:xfrm>
-            <a:off x="7829829" y="187417"/>
-            <a:ext cx="2429947" cy="3993124"/>
+            <a:off x="7829830" y="216280"/>
+            <a:ext cx="2429947" cy="4608076"/>
           </a:xfrm>
         </p:spPr>
         <p:txBody>
@@ -590,8 +590,8 @@
         </p:nvSpPr>
         <p:spPr>
           <a:xfrm>
-            <a:off x="539988" y="187417"/>
-            <a:ext cx="7109844" cy="3993124"/>
+            <a:off x="539988" y="216280"/>
+            <a:ext cx="7109844" cy="4608076"/>
           </a:xfrm>
         </p:spPr>
         <p:txBody>
@@ -912,8 +912,8 @@
         </p:nvSpPr>
         <p:spPr>
           <a:xfrm>
-            <a:off x="853108" y="3007303"/>
-            <a:ext cx="9179799" cy="929490"/>
+            <a:off x="853109" y="3470436"/>
+            <a:ext cx="9179799" cy="1072634"/>
           </a:xfrm>
         </p:spPr>
         <p:txBody>
@@ -944,8 +944,8 @@
         </p:nvSpPr>
         <p:spPr>
           <a:xfrm>
-            <a:off x="853108" y="1983563"/>
-            <a:ext cx="9179799" cy="1023739"/>
+            <a:off x="853109" y="2289037"/>
+            <a:ext cx="9179799" cy="1181398"/>
           </a:xfrm>
         </p:spPr>
         <p:txBody>
@@ -1181,8 +1181,8 @@
         </p:nvSpPr>
         <p:spPr>
           <a:xfrm>
-            <a:off x="539990" y="1091990"/>
-            <a:ext cx="4769895" cy="3088551"/>
+            <a:off x="539991" y="1260160"/>
+            <a:ext cx="4769895" cy="3564196"/>
           </a:xfrm>
         </p:spPr>
         <p:txBody>
@@ -1266,8 +1266,8 @@
         </p:nvSpPr>
         <p:spPr>
           <a:xfrm>
-            <a:off x="5489880" y="1091990"/>
-            <a:ext cx="4769895" cy="3088551"/>
+            <a:off x="5489881" y="1260160"/>
+            <a:ext cx="4769895" cy="3564196"/>
           </a:xfrm>
         </p:spPr>
         <p:txBody>
@@ -1473,8 +1473,8 @@
         </p:nvSpPr>
         <p:spPr>
           <a:xfrm>
-            <a:off x="539990" y="1047572"/>
-            <a:ext cx="4771771" cy="436579"/>
+            <a:off x="539991" y="1208902"/>
+            <a:ext cx="4771771" cy="503813"/>
           </a:xfrm>
         </p:spPr>
         <p:txBody>
@@ -1538,8 +1538,8 @@
         </p:nvSpPr>
         <p:spPr>
           <a:xfrm>
-            <a:off x="539990" y="1484151"/>
-            <a:ext cx="4771771" cy="2696388"/>
+            <a:off x="539991" y="1712714"/>
+            <a:ext cx="4771771" cy="3111639"/>
           </a:xfrm>
         </p:spPr>
         <p:txBody>
@@ -1623,8 +1623,8 @@
         </p:nvSpPr>
         <p:spPr>
           <a:xfrm>
-            <a:off x="5486131" y="1047572"/>
-            <a:ext cx="4773645" cy="436579"/>
+            <a:off x="5486132" y="1208902"/>
+            <a:ext cx="4773645" cy="503813"/>
           </a:xfrm>
         </p:spPr>
         <p:txBody>
@@ -1688,8 +1688,8 @@
         </p:nvSpPr>
         <p:spPr>
           <a:xfrm>
-            <a:off x="5486131" y="1484151"/>
-            <a:ext cx="4773645" cy="2696388"/>
+            <a:off x="5486132" y="1712714"/>
+            <a:ext cx="4773645" cy="3111639"/>
           </a:xfrm>
         </p:spPr>
         <p:txBody>
@@ -2081,8 +2081,8 @@
         </p:nvSpPr>
         <p:spPr>
           <a:xfrm>
-            <a:off x="539989" y="186331"/>
-            <a:ext cx="3553048" cy="792992"/>
+            <a:off x="539989" y="215026"/>
+            <a:ext cx="3553048" cy="915115"/>
           </a:xfrm>
         </p:spPr>
         <p:txBody>
@@ -2113,8 +2113,8 @@
         </p:nvSpPr>
         <p:spPr>
           <a:xfrm>
-            <a:off x="4222409" y="186333"/>
-            <a:ext cx="6037367" cy="3994208"/>
+            <a:off x="4222410" y="215029"/>
+            <a:ext cx="6037367" cy="4609327"/>
           </a:xfrm>
         </p:spPr>
         <p:txBody>
@@ -2198,8 +2198,8 @@
         </p:nvSpPr>
         <p:spPr>
           <a:xfrm>
-            <a:off x="539989" y="979324"/>
-            <a:ext cx="3553048" cy="3201216"/>
+            <a:off x="539989" y="1130143"/>
+            <a:ext cx="3553048" cy="3694212"/>
           </a:xfrm>
         </p:spPr>
         <p:txBody>
@@ -2358,8 +2358,8 @@
         </p:nvSpPr>
         <p:spPr>
           <a:xfrm>
-            <a:off x="2116829" y="3275966"/>
-            <a:ext cx="6479858" cy="386746"/>
+            <a:off x="2116829" y="3780474"/>
+            <a:ext cx="6479858" cy="446306"/>
           </a:xfrm>
         </p:spPr>
         <p:txBody>
@@ -2390,8 +2390,8 @@
         </p:nvSpPr>
         <p:spPr>
           <a:xfrm>
-            <a:off x="2116829" y="418163"/>
-            <a:ext cx="6479858" cy="2807970"/>
+            <a:off x="2116829" y="482561"/>
+            <a:ext cx="6479858" cy="3240405"/>
           </a:xfrm>
         </p:spPr>
         <p:txBody>
@@ -2451,8 +2451,8 @@
         </p:nvSpPr>
         <p:spPr>
           <a:xfrm>
-            <a:off x="2116829" y="3662712"/>
-            <a:ext cx="6479858" cy="549244"/>
+            <a:off x="2116829" y="4226780"/>
+            <a:ext cx="6479858" cy="633829"/>
           </a:xfrm>
         </p:spPr>
         <p:txBody>
@@ -2616,8 +2616,8 @@
         </p:nvSpPr>
         <p:spPr>
           <a:xfrm>
-            <a:off x="539989" y="187415"/>
-            <a:ext cx="9719787" cy="779991"/>
+            <a:off x="539990" y="216278"/>
+            <a:ext cx="9719787" cy="900112"/>
           </a:xfrm>
           <a:prstGeom prst="rect">
             <a:avLst/>
@@ -2648,8 +2648,8 @@
         </p:nvSpPr>
         <p:spPr>
           <a:xfrm>
-            <a:off x="539989" y="1091990"/>
-            <a:ext cx="9719787" cy="3088551"/>
+            <a:off x="539990" y="1260160"/>
+            <a:ext cx="9719787" cy="3564196"/>
           </a:xfrm>
           <a:prstGeom prst="rect">
             <a:avLst/>
@@ -2709,8 +2709,8 @@
         </p:nvSpPr>
         <p:spPr>
           <a:xfrm>
-            <a:off x="539988" y="4337621"/>
-            <a:ext cx="2519945" cy="249164"/>
+            <a:off x="539988" y="5005626"/>
+            <a:ext cx="2519945" cy="287536"/>
           </a:xfrm>
           <a:prstGeom prst="rect">
             <a:avLst/>
@@ -2750,8 +2750,8 @@
         </p:nvSpPr>
         <p:spPr>
           <a:xfrm>
-            <a:off x="3689920" y="4337621"/>
-            <a:ext cx="3419925" cy="249164"/>
+            <a:off x="3689921" y="5005626"/>
+            <a:ext cx="3419925" cy="287536"/>
           </a:xfrm>
           <a:prstGeom prst="rect">
             <a:avLst/>
@@ -2787,8 +2787,8 @@
         </p:nvSpPr>
         <p:spPr>
           <a:xfrm>
-            <a:off x="7739831" y="4337621"/>
-            <a:ext cx="2519945" cy="249164"/>
+            <a:off x="7739832" y="5005626"/>
+            <a:ext cx="2519945" cy="287536"/>
           </a:xfrm>
           <a:prstGeom prst="rect">
             <a:avLst/>
@@ -3128,7 +3128,7 @@
         </p:blipFill>
         <p:spPr>
           <a:xfrm rot="16200000">
-            <a:off x="6142134" y="549052"/>
+            <a:off x="6142135" y="1255405"/>
             <a:ext cx="5062291" cy="3708209"/>
           </a:xfrm>
           <a:prstGeom prst="rect">
@@ -3158,7 +3158,7 @@
         </p:blipFill>
         <p:spPr>
           <a:xfrm>
-            <a:off x="7509" y="260175"/>
+            <a:off x="7509" y="966527"/>
             <a:ext cx="6515100" cy="4381500"/>
           </a:xfrm>
           <a:prstGeom prst="rect">
@@ -3166,6 +3166,55 @@
           </a:prstGeom>
         </p:spPr>
       </p:pic>
+      <p:sp>
+        <p:nvSpPr>
+          <p:cNvPr id="19" name="TextBox 18">
+            <a:extLst>
+              <a:ext uri="{FF2B5EF4-FFF2-40B4-BE49-F238E27FC236}">
+                <a16:creationId xmlns:a16="http://schemas.microsoft.com/office/drawing/2014/main" id="{B740EA6E-B0A9-B44B-B2A6-4C62035F9F56}"/>
+              </a:ext>
+            </a:extLst>
+          </p:cNvPr>
+          <p:cNvSpPr txBox="1"/>
+          <p:nvPr/>
+        </p:nvSpPr>
+        <p:spPr>
+          <a:xfrm>
+            <a:off x="72168" y="59380"/>
+            <a:ext cx="9736063" cy="707886"/>
+          </a:xfrm>
+          <a:prstGeom prst="rect">
+            <a:avLst/>
+          </a:prstGeom>
+          <a:noFill/>
+        </p:spPr>
+        <p:txBody>
+          <a:bodyPr wrap="none" rtlCol="0">
+            <a:spAutoFit/>
+          </a:bodyPr>
+          <a:lstStyle/>
+          <a:p>
+            <a:r>
+              <a:rPr lang="en-US" sz="2000" dirty="0" err="1"/>
+              <a:t>stageR</a:t>
+            </a:r>
+            <a:r>
+              <a:rPr lang="en-US" sz="2000" dirty="0"/>
+              <a:t>: a general stage-wise method for controlling the gene-level false discovery rate in </a:t>
+            </a:r>
+          </a:p>
+          <a:p>
+            <a:r>
+              <a:rPr lang="en-US" sz="2000" dirty="0"/>
+              <a:t>differential expression and differential transcript usage. </a:t>
+            </a:r>
+            <a:r>
+              <a:rPr lang="en-US" sz="2000" b="1" dirty="0"/>
+              <a:t>Genome Biology  2017 18(1):151</a:t>
+            </a:r>
+          </a:p>
+        </p:txBody>
+      </p:sp>
     </p:spTree>
     <p:extLst>
       <p:ext uri="{BB962C8B-B14F-4D97-AF65-F5344CB8AC3E}">

--- a/pages/figs/stageR.pptx
+++ b/pages/figs/stageR.pptx
@@ -3195,22 +3195,18 @@
           <a:lstStyle/>
           <a:p>
             <a:r>
-              <a:rPr lang="en-US" sz="2000" dirty="0" err="1"/>
+              <a:rPr lang="en-US" sz="2000" b="1" dirty="0" err="1"/>
               <a:t>stageR</a:t>
             </a:r>
             <a:r>
-              <a:rPr lang="en-US" sz="2000" dirty="0"/>
+              <a:rPr lang="en-US" sz="2000" b="1" dirty="0"/>
               <a:t>: a general stage-wise method for controlling the gene-level false discovery rate in </a:t>
             </a:r>
           </a:p>
           <a:p>
             <a:r>
-              <a:rPr lang="en-US" sz="2000" dirty="0"/>
-              <a:t>differential expression and differential transcript usage. </a:t>
-            </a:r>
-            <a:r>
               <a:rPr lang="en-US" sz="2000" b="1" dirty="0"/>
-              <a:t>Genome Biology  2017 18(1):151</a:t>
+              <a:t>differential expression and differential transcript usage. Genome Biology  2017 18(1):151</a:t>
             </a:r>
           </a:p>
         </p:txBody>

--- a/pages/figs/stageR.pptx
+++ b/pages/figs/stageR.pptx
@@ -302,7 +302,7 @@
           <a:p>
             <a:fld id="{3EA3A3A7-1F67-9A4A-B8E5-E029D492957D}" type="datetimeFigureOut">
               <a:rPr lang="en-US" smtClean="0"/>
-              <a:t>6/12/18</a:t>
+              <a:t>6/13/18</a:t>
             </a:fld>
             <a:endParaRPr lang="en-US"/>
           </a:p>
@@ -472,7 +472,7 @@
           <a:p>
             <a:fld id="{3EA3A3A7-1F67-9A4A-B8E5-E029D492957D}" type="datetimeFigureOut">
               <a:rPr lang="en-US" smtClean="0"/>
-              <a:t>6/12/18</a:t>
+              <a:t>6/13/18</a:t>
             </a:fld>
             <a:endParaRPr lang="en-US"/>
           </a:p>
@@ -652,7 +652,7 @@
           <a:p>
             <a:fld id="{3EA3A3A7-1F67-9A4A-B8E5-E029D492957D}" type="datetimeFigureOut">
               <a:rPr lang="en-US" smtClean="0"/>
-              <a:t>6/12/18</a:t>
+              <a:t>6/13/18</a:t>
             </a:fld>
             <a:endParaRPr lang="en-US"/>
           </a:p>
@@ -822,7 +822,7 @@
           <a:p>
             <a:fld id="{3EA3A3A7-1F67-9A4A-B8E5-E029D492957D}" type="datetimeFigureOut">
               <a:rPr lang="en-US" smtClean="0"/>
-              <a:t>6/12/18</a:t>
+              <a:t>6/13/18</a:t>
             </a:fld>
             <a:endParaRPr lang="en-US"/>
           </a:p>
@@ -1068,7 +1068,7 @@
           <a:p>
             <a:fld id="{3EA3A3A7-1F67-9A4A-B8E5-E029D492957D}" type="datetimeFigureOut">
               <a:rPr lang="en-US" smtClean="0"/>
-              <a:t>6/12/18</a:t>
+              <a:t>6/13/18</a:t>
             </a:fld>
             <a:endParaRPr lang="en-US"/>
           </a:p>
@@ -1356,7 +1356,7 @@
           <a:p>
             <a:fld id="{3EA3A3A7-1F67-9A4A-B8E5-E029D492957D}" type="datetimeFigureOut">
               <a:rPr lang="en-US" smtClean="0"/>
-              <a:t>6/12/18</a:t>
+              <a:t>6/13/18</a:t>
             </a:fld>
             <a:endParaRPr lang="en-US"/>
           </a:p>
@@ -1778,7 +1778,7 @@
           <a:p>
             <a:fld id="{3EA3A3A7-1F67-9A4A-B8E5-E029D492957D}" type="datetimeFigureOut">
               <a:rPr lang="en-US" smtClean="0"/>
-              <a:t>6/12/18</a:t>
+              <a:t>6/13/18</a:t>
             </a:fld>
             <a:endParaRPr lang="en-US"/>
           </a:p>
@@ -1896,7 +1896,7 @@
           <a:p>
             <a:fld id="{3EA3A3A7-1F67-9A4A-B8E5-E029D492957D}" type="datetimeFigureOut">
               <a:rPr lang="en-US" smtClean="0"/>
-              <a:t>6/12/18</a:t>
+              <a:t>6/13/18</a:t>
             </a:fld>
             <a:endParaRPr lang="en-US"/>
           </a:p>
@@ -1991,7 +1991,7 @@
           <a:p>
             <a:fld id="{3EA3A3A7-1F67-9A4A-B8E5-E029D492957D}" type="datetimeFigureOut">
               <a:rPr lang="en-US" smtClean="0"/>
-              <a:t>6/12/18</a:t>
+              <a:t>6/13/18</a:t>
             </a:fld>
             <a:endParaRPr lang="en-US"/>
           </a:p>
@@ -2268,7 +2268,7 @@
           <a:p>
             <a:fld id="{3EA3A3A7-1F67-9A4A-B8E5-E029D492957D}" type="datetimeFigureOut">
               <a:rPr lang="en-US" smtClean="0"/>
-              <a:t>6/12/18</a:t>
+              <a:t>6/13/18</a:t>
             </a:fld>
             <a:endParaRPr lang="en-US"/>
           </a:p>
@@ -2521,7 +2521,7 @@
           <a:p>
             <a:fld id="{3EA3A3A7-1F67-9A4A-B8E5-E029D492957D}" type="datetimeFigureOut">
               <a:rPr lang="en-US" smtClean="0"/>
-              <a:t>6/12/18</a:t>
+              <a:t>6/13/18</a:t>
             </a:fld>
             <a:endParaRPr lang="en-US"/>
           </a:p>
@@ -2732,7 +2732,7 @@
           <a:p>
             <a:fld id="{3EA3A3A7-1F67-9A4A-B8E5-E029D492957D}" type="datetimeFigureOut">
               <a:rPr lang="en-US" smtClean="0"/>
-              <a:t>6/12/18</a:t>
+              <a:t>6/13/18</a:t>
             </a:fld>
             <a:endParaRPr lang="en-US"/>
           </a:p>
@@ -3128,7 +3128,7 @@
         </p:blipFill>
         <p:spPr>
           <a:xfrm rot="16200000">
-            <a:off x="6142135" y="1255405"/>
+            <a:off x="6142135" y="1106114"/>
             <a:ext cx="5062291" cy="3708209"/>
           </a:xfrm>
           <a:prstGeom prst="rect">
@@ -3158,7 +3158,7 @@
         </p:blipFill>
         <p:spPr>
           <a:xfrm>
-            <a:off x="7509" y="966527"/>
+            <a:off x="175463" y="966527"/>
             <a:ext cx="6515100" cy="4381500"/>
           </a:xfrm>
           <a:prstGeom prst="rect">
@@ -3180,8 +3180,8 @@
         </p:nvSpPr>
         <p:spPr>
           <a:xfrm>
-            <a:off x="72168" y="59380"/>
-            <a:ext cx="9736063" cy="707886"/>
+            <a:off x="0" y="87372"/>
+            <a:ext cx="10799763" cy="707886"/>
           </a:xfrm>
           <a:prstGeom prst="rect">
             <a:avLst/>
@@ -3189,24 +3189,19 @@
           <a:noFill/>
         </p:spPr>
         <p:txBody>
-          <a:bodyPr wrap="none" rtlCol="0">
+          <a:bodyPr wrap="square" rtlCol="0">
             <a:spAutoFit/>
           </a:bodyPr>
           <a:lstStyle/>
           <a:p>
+            <a:pPr algn="ctr"/>
             <a:r>
               <a:rPr lang="en-US" sz="2000" b="1" dirty="0" err="1"/>
               <a:t>stageR</a:t>
             </a:r>
             <a:r>
               <a:rPr lang="en-US" sz="2000" b="1" dirty="0"/>
-              <a:t>: a general stage-wise method for controlling the gene-level false discovery rate in </a:t>
-            </a:r>
-          </a:p>
-          <a:p>
-            <a:r>
-              <a:rPr lang="en-US" sz="2000" b="1" dirty="0"/>
-              <a:t>differential expression and differential transcript usage. Genome Biology  2017 18(1):151</a:t>
+              <a:t>: a general stage-wise method for controlling the gene-level false discovery rate in differential expression and differential transcript usage. Genome Biology  2017 18(1):151</a:t>
             </a:r>
           </a:p>
         </p:txBody>
